--- a/Documents/PVV-Visualizer TDOT.pptx
+++ b/Documents/PVV-Visualizer TDOT.pptx
@@ -22,7 +22,6 @@
     <p:sldId id="298" r:id="rId16"/>
     <p:sldId id="299" r:id="rId17"/>
     <p:sldId id="300" r:id="rId18"/>
-    <p:sldId id="301" r:id="rId19"/>
   </p:sldIdLst>
   <p:sldSz cx="12192000" cy="6858000"/>
   <p:notesSz cx="6858000" cy="9144000"/>
@@ -143,7 +142,6 @@
             <p14:sldId id="298"/>
             <p14:sldId id="299"/>
             <p14:sldId id="300"/>
-            <p14:sldId id="301"/>
           </p14:sldIdLst>
         </p14:section>
       </p14:sectionLst>
@@ -153,14 +151,6 @@
     </p:ext>
   </p:extLst>
 </p:presentation>
-</file>
-
-<file path=ppt/revisionInfo.xml><?xml version="1.0" encoding="utf-8"?>
-<p1510:revInfo xmlns:a="http://schemas.openxmlformats.org/drawingml/2006/main" xmlns:r="http://schemas.openxmlformats.org/officeDocument/2006/relationships" xmlns:p1510="http://schemas.microsoft.com/office/powerpoint/2015/10/main">
-  <p1510:revLst>
-    <p1510:client id="{AB865978-72DF-4393-BA79-AF447691D77D}" v="617" dt="2022-11-25T15:02:28.339"/>
-  </p1510:revLst>
-</p1510:revInfo>
 </file>
 
 <file path=ppt/changesInfos/changesInfo1.xml><?xml version="1.0" encoding="utf-8"?>
@@ -2375,6 +2365,22 @@
       </pc:sldChg>
     </pc:docChg>
   </pc:docChgLst>
+  <pc:docChgLst>
+    <pc:chgData name="Antonio Peric" userId="68157115d40ac8e2" providerId="LiveId" clId="{0FE94F44-886F-4E5E-AAD0-10AE0CED8EE1}"/>
+    <pc:docChg chg="delSld modSection">
+      <pc:chgData name="Antonio Peric" userId="68157115d40ac8e2" providerId="LiveId" clId="{0FE94F44-886F-4E5E-AAD0-10AE0CED8EE1}" dt="2023-01-24T11:14:53.426" v="0" actId="47"/>
+      <pc:docMkLst>
+        <pc:docMk/>
+      </pc:docMkLst>
+      <pc:sldChg chg="del">
+        <pc:chgData name="Antonio Peric" userId="68157115d40ac8e2" providerId="LiveId" clId="{0FE94F44-886F-4E5E-AAD0-10AE0CED8EE1}" dt="2023-01-24T11:14:53.426" v="0" actId="47"/>
+        <pc:sldMkLst>
+          <pc:docMk/>
+          <pc:sldMk cId="1509675491" sldId="301"/>
+        </pc:sldMkLst>
+      </pc:sldChg>
+    </pc:docChg>
+  </pc:docChgLst>
 </pc:chgInfo>
 </file>
 
@@ -2529,7 +2535,7 @@
           <a:p>
             <a:fld id="{326951E3-958F-4611-B170-D081BA0250F9}" type="datetimeFigureOut">
               <a:rPr lang="en-US" smtClean="0"/>
-              <a:t>11/25/2022</a:t>
+              <a:t>1/24/2023</a:t>
             </a:fld>
             <a:endParaRPr lang="en-US"/>
           </a:p>
@@ -2583,7 +2589,7 @@
           <a:p>
             <a:fld id="{57871EFB-7B9E-4E86-A89E-697E8EBB06F2}" type="slidenum">
               <a:rPr lang="en-US" smtClean="0"/>
-              <a:t>‹#›</a:t>
+              <a:t>‹Nr.›</a:t>
             </a:fld>
             <a:endParaRPr lang="en-US"/>
           </a:p>
@@ -2727,7 +2733,7 @@
           <a:p>
             <a:fld id="{326951E3-958F-4611-B170-D081BA0250F9}" type="datetimeFigureOut">
               <a:rPr lang="en-US" smtClean="0"/>
-              <a:t>11/25/2022</a:t>
+              <a:t>1/24/2023</a:t>
             </a:fld>
             <a:endParaRPr lang="en-US"/>
           </a:p>
@@ -2781,7 +2787,7 @@
           <a:p>
             <a:fld id="{57871EFB-7B9E-4E86-A89E-697E8EBB06F2}" type="slidenum">
               <a:rPr lang="en-US" smtClean="0"/>
-              <a:t>‹#›</a:t>
+              <a:t>‹Nr.›</a:t>
             </a:fld>
             <a:endParaRPr lang="en-US"/>
           </a:p>
@@ -2935,7 +2941,7 @@
           <a:p>
             <a:fld id="{326951E3-958F-4611-B170-D081BA0250F9}" type="datetimeFigureOut">
               <a:rPr lang="en-US" smtClean="0"/>
-              <a:t>11/25/2022</a:t>
+              <a:t>1/24/2023</a:t>
             </a:fld>
             <a:endParaRPr lang="en-US"/>
           </a:p>
@@ -2989,7 +2995,7 @@
           <a:p>
             <a:fld id="{57871EFB-7B9E-4E86-A89E-697E8EBB06F2}" type="slidenum">
               <a:rPr lang="en-US" smtClean="0"/>
-              <a:t>‹#›</a:t>
+              <a:t>‹Nr.›</a:t>
             </a:fld>
             <a:endParaRPr lang="en-US"/>
           </a:p>
@@ -3133,7 +3139,7 @@
           <a:p>
             <a:fld id="{326951E3-958F-4611-B170-D081BA0250F9}" type="datetimeFigureOut">
               <a:rPr lang="en-US" smtClean="0"/>
-              <a:t>11/25/2022</a:t>
+              <a:t>1/24/2023</a:t>
             </a:fld>
             <a:endParaRPr lang="en-US"/>
           </a:p>
@@ -3187,7 +3193,7 @@
           <a:p>
             <a:fld id="{57871EFB-7B9E-4E86-A89E-697E8EBB06F2}" type="slidenum">
               <a:rPr lang="en-US" smtClean="0"/>
-              <a:t>‹#›</a:t>
+              <a:t>‹Nr.›</a:t>
             </a:fld>
             <a:endParaRPr lang="en-US"/>
           </a:p>
@@ -3410,7 +3416,7 @@
           <a:p>
             <a:fld id="{326951E3-958F-4611-B170-D081BA0250F9}" type="datetimeFigureOut">
               <a:rPr lang="en-US" smtClean="0"/>
-              <a:t>11/25/2022</a:t>
+              <a:t>1/24/2023</a:t>
             </a:fld>
             <a:endParaRPr lang="en-US"/>
           </a:p>
@@ -3464,7 +3470,7 @@
           <a:p>
             <a:fld id="{57871EFB-7B9E-4E86-A89E-697E8EBB06F2}" type="slidenum">
               <a:rPr lang="en-US" smtClean="0"/>
-              <a:t>‹#›</a:t>
+              <a:t>‹Nr.›</a:t>
             </a:fld>
             <a:endParaRPr lang="en-US"/>
           </a:p>
@@ -3675,7 +3681,7 @@
           <a:p>
             <a:fld id="{326951E3-958F-4611-B170-D081BA0250F9}" type="datetimeFigureOut">
               <a:rPr lang="en-US" smtClean="0"/>
-              <a:t>11/25/2022</a:t>
+              <a:t>1/24/2023</a:t>
             </a:fld>
             <a:endParaRPr lang="en-US"/>
           </a:p>
@@ -3729,7 +3735,7 @@
           <a:p>
             <a:fld id="{57871EFB-7B9E-4E86-A89E-697E8EBB06F2}" type="slidenum">
               <a:rPr lang="en-US" smtClean="0"/>
-              <a:t>‹#›</a:t>
+              <a:t>‹Nr.›</a:t>
             </a:fld>
             <a:endParaRPr lang="en-US"/>
           </a:p>
@@ -4097,7 +4103,7 @@
           <a:p>
             <a:fld id="{326951E3-958F-4611-B170-D081BA0250F9}" type="datetimeFigureOut">
               <a:rPr lang="en-US" smtClean="0"/>
-              <a:t>11/25/2022</a:t>
+              <a:t>1/24/2023</a:t>
             </a:fld>
             <a:endParaRPr lang="en-US"/>
           </a:p>
@@ -4151,7 +4157,7 @@
           <a:p>
             <a:fld id="{57871EFB-7B9E-4E86-A89E-697E8EBB06F2}" type="slidenum">
               <a:rPr lang="en-US" smtClean="0"/>
-              <a:t>‹#›</a:t>
+              <a:t>‹Nr.›</a:t>
             </a:fld>
             <a:endParaRPr lang="en-US"/>
           </a:p>
@@ -4249,7 +4255,7 @@
           <a:p>
             <a:fld id="{326951E3-958F-4611-B170-D081BA0250F9}" type="datetimeFigureOut">
               <a:rPr lang="en-US" smtClean="0"/>
-              <a:t>11/25/2022</a:t>
+              <a:t>1/24/2023</a:t>
             </a:fld>
             <a:endParaRPr lang="en-US"/>
           </a:p>
@@ -4303,7 +4309,7 @@
           <a:p>
             <a:fld id="{57871EFB-7B9E-4E86-A89E-697E8EBB06F2}" type="slidenum">
               <a:rPr lang="en-US" smtClean="0"/>
-              <a:t>‹#›</a:t>
+              <a:t>‹Nr.›</a:t>
             </a:fld>
             <a:endParaRPr lang="en-US"/>
           </a:p>
@@ -4362,7 +4368,7 @@
           <a:p>
             <a:fld id="{326951E3-958F-4611-B170-D081BA0250F9}" type="datetimeFigureOut">
               <a:rPr lang="en-US" smtClean="0"/>
-              <a:t>11/25/2022</a:t>
+              <a:t>1/24/2023</a:t>
             </a:fld>
             <a:endParaRPr lang="en-US"/>
           </a:p>
@@ -4416,7 +4422,7 @@
           <a:p>
             <a:fld id="{57871EFB-7B9E-4E86-A89E-697E8EBB06F2}" type="slidenum">
               <a:rPr lang="en-US" smtClean="0"/>
-              <a:t>‹#›</a:t>
+              <a:t>‹Nr.›</a:t>
             </a:fld>
             <a:endParaRPr lang="en-US"/>
           </a:p>
@@ -4680,7 +4686,7 @@
           <a:p>
             <a:fld id="{326951E3-958F-4611-B170-D081BA0250F9}" type="datetimeFigureOut">
               <a:rPr lang="en-US" smtClean="0"/>
-              <a:t>11/25/2022</a:t>
+              <a:t>1/24/2023</a:t>
             </a:fld>
             <a:endParaRPr lang="en-US"/>
           </a:p>
@@ -4734,7 +4740,7 @@
           <a:p>
             <a:fld id="{57871EFB-7B9E-4E86-A89E-697E8EBB06F2}" type="slidenum">
               <a:rPr lang="en-US" smtClean="0"/>
-              <a:t>‹#›</a:t>
+              <a:t>‹Nr.›</a:t>
             </a:fld>
             <a:endParaRPr lang="en-US"/>
           </a:p>
@@ -5016,7 +5022,7 @@
           <a:p>
             <a:fld id="{326951E3-958F-4611-B170-D081BA0250F9}" type="datetimeFigureOut">
               <a:rPr lang="en-US" smtClean="0"/>
-              <a:t>11/25/2022</a:t>
+              <a:t>1/24/2023</a:t>
             </a:fld>
             <a:endParaRPr lang="en-US"/>
           </a:p>
@@ -5070,7 +5076,7 @@
           <a:p>
             <a:fld id="{57871EFB-7B9E-4E86-A89E-697E8EBB06F2}" type="slidenum">
               <a:rPr lang="en-US" smtClean="0"/>
-              <a:t>‹#›</a:t>
+              <a:t>‹Nr.›</a:t>
             </a:fld>
             <a:endParaRPr lang="en-US"/>
           </a:p>
@@ -5305,7 +5311,7 @@
             <a:fld id="{326951E3-958F-4611-B170-D081BA0250F9}" type="datetimeFigureOut">
               <a:rPr lang="en-US" smtClean="0"/>
               <a:pPr/>
-              <a:t>11/25/2022</a:t>
+              <a:t>1/24/2023</a:t>
             </a:fld>
             <a:endParaRPr lang="en-US" dirty="0"/>
           </a:p>
@@ -5392,7 +5398,7 @@
             <a:fld id="{57871EFB-7B9E-4E86-A89E-697E8EBB06F2}" type="slidenum">
               <a:rPr lang="en-US" smtClean="0"/>
               <a:pPr/>
-              <a:t>‹#›</a:t>
+              <a:t>‹Nr.›</a:t>
             </a:fld>
             <a:endParaRPr lang="en-US" dirty="0"/>
           </a:p>
@@ -10606,48 +10612,6 @@
 </p:sld>
 </file>
 
-<file path=ppt/slides/slide18.xml><?xml version="1.0" encoding="utf-8"?>
-<p:sld xmlns:a="http://schemas.openxmlformats.org/drawingml/2006/main" xmlns:r="http://schemas.openxmlformats.org/officeDocument/2006/relationships" xmlns:p="http://schemas.openxmlformats.org/presentationml/2006/main">
-  <p:cSld>
-    <p:spTree>
-      <p:nvGrpSpPr>
-        <p:cNvPr id="1" name=""/>
-        <p:cNvGrpSpPr/>
-        <p:nvPr/>
-      </p:nvGrpSpPr>
-      <p:grpSpPr>
-        <a:xfrm>
-          <a:off x="0" y="0"/>
-          <a:ext cx="0" cy="0"/>
-          <a:chOff x="0" y="0"/>
-          <a:chExt cx="0" cy="0"/>
-        </a:xfrm>
-      </p:grpSpPr>
-    </p:spTree>
-    <p:extLst>
-      <p:ext uri="{BB962C8B-B14F-4D97-AF65-F5344CB8AC3E}">
-        <p14:creationId xmlns:p14="http://schemas.microsoft.com/office/powerpoint/2010/main" val="1509675491"/>
-      </p:ext>
-    </p:extLst>
-  </p:cSld>
-  <p:clrMapOvr>
-    <a:masterClrMapping/>
-  </p:clrMapOvr>
-  <mc:AlternateContent xmlns:mc="http://schemas.openxmlformats.org/markup-compatibility/2006">
-    <mc:Choice xmlns:p15="http://schemas.microsoft.com/office/powerpoint/2012/main" Requires="p15">
-      <p:transition xmlns:p14="http://schemas.microsoft.com/office/powerpoint/2010/main" spd="slow" p14:dur="1250">
-        <p15:prstTrans prst="airplane"/>
-      </p:transition>
-    </mc:Choice>
-    <mc:Fallback>
-      <p:transition spd="slow">
-        <p:fade/>
-      </p:transition>
-    </mc:Fallback>
-  </mc:AlternateContent>
-</p:sld>
-</file>
-
 <file path=ppt/slides/slide2.xml><?xml version="1.0" encoding="utf-8"?>
 <p:sld xmlns:a="http://schemas.openxmlformats.org/drawingml/2006/main" xmlns:r="http://schemas.openxmlformats.org/officeDocument/2006/relationships" xmlns:p="http://schemas.openxmlformats.org/presentationml/2006/main">
   <p:cSld>
@@ -13375,13 +13339,13 @@
   <p:clrMapOvr>
     <a:masterClrMapping/>
   </p:clrMapOvr>
-  <mc:AlternateContent xmlns:mc="http://schemas.openxmlformats.org/markup-compatibility/2006">
-    <mc:Choice xmlns:p14="http://schemas.microsoft.com/office/powerpoint/2010/main" Requires="p14">
+  <mc:AlternateContent xmlns:mc="http://schemas.openxmlformats.org/markup-compatibility/2006" xmlns:p14="http://schemas.microsoft.com/office/powerpoint/2010/main">
+    <mc:Choice Requires="p14">
       <p:transition spd="slow">
         <p14:pan dir="u"/>
       </p:transition>
     </mc:Choice>
-    <mc:Fallback>
+    <mc:Fallback xmlns="">
       <p:transition spd="slow">
         <p:fade/>
       </p:transition>
